--- a/Python3数据结构和算法.pptx
+++ b/Python3数据结构和算法.pptx
@@ -129,7 +129,7 @@
   </p:defaultTextStyle>
   <p:extLst>
     <p:ext uri="{EFAFB233-063F-42B5-8137-9DF3F51BA10A}">
-      <p15:sldGuideLst xmlns:p15="http://schemas.microsoft.com/office/powerpoint/2012/main">
+      <p15:sldGuideLst xmlns:p15="http://schemas.microsoft.com/office/powerpoint/2012/main" xmlns="">
         <p15:guide id="1" orient="horz" pos="2160">
           <p15:clr>
             <a:srgbClr val="A4A3A4"/>
@@ -228,7 +228,7 @@
           <a:p>
             <a:fld id="{8BE9A97A-0B07-C04B-A6F5-D133896C565B}" type="datetimeFigureOut">
               <a:rPr kumimoji="1" lang="zh-CN" altLang="en-US" smtClean="0"/>
-              <a:t>2018/5/3</a:t>
+              <a:t>2018/5/4</a:t>
             </a:fld>
             <a:endParaRPr kumimoji="1" lang="zh-CN" altLang="en-US"/>
           </a:p>
@@ -2308,7 +2308,7 @@
           <a:p>
             <a:fld id="{5B448F67-3003-4522-BCEB-1C7BD072F28C}" type="datetimeFigureOut">
               <a:rPr lang="zh-CN" altLang="en-US" smtClean="0"/>
-              <a:t>2018/5/3</a:t>
+              <a:t>2018/5/4</a:t>
             </a:fld>
             <a:endParaRPr lang="zh-CN" altLang="en-US"/>
           </a:p>
@@ -2489,7 +2489,7 @@
           <a:p>
             <a:fld id="{5B448F67-3003-4522-BCEB-1C7BD072F28C}" type="datetimeFigureOut">
               <a:rPr lang="zh-CN" altLang="en-US" smtClean="0"/>
-              <a:t>2018/5/3</a:t>
+              <a:t>2018/5/4</a:t>
             </a:fld>
             <a:endParaRPr lang="zh-CN" altLang="en-US"/>
           </a:p>
@@ -2640,7 +2640,7 @@
           <a:p>
             <a:fld id="{5B448F67-3003-4522-BCEB-1C7BD072F28C}" type="datetimeFigureOut">
               <a:rPr lang="zh-CN" altLang="en-US" smtClean="0"/>
-              <a:t>2018/5/3</a:t>
+              <a:t>2018/5/4</a:t>
             </a:fld>
             <a:endParaRPr lang="zh-CN" altLang="en-US"/>
           </a:p>
@@ -4466,7 +4466,7 @@
           <a:p>
             <a:fld id="{5B448F67-3003-4522-BCEB-1C7BD072F28C}" type="datetimeFigureOut">
               <a:rPr lang="zh-CN" altLang="en-US" smtClean="0"/>
-              <a:t>2018/5/3</a:t>
+              <a:t>2018/5/4</a:t>
             </a:fld>
             <a:endParaRPr lang="zh-CN" altLang="en-US"/>
           </a:p>
@@ -6336,7 +6336,7 @@
           <a:p>
             <a:fld id="{5B448F67-3003-4522-BCEB-1C7BD072F28C}" type="datetimeFigureOut">
               <a:rPr lang="zh-CN" altLang="en-US" smtClean="0"/>
-              <a:t>2018/5/3</a:t>
+              <a:t>2018/5/4</a:t>
             </a:fld>
             <a:endParaRPr lang="zh-CN" altLang="en-US"/>
           </a:p>
@@ -6449,7 +6449,7 @@
           <a:p>
             <a:fld id="{5B448F67-3003-4522-BCEB-1C7BD072F28C}" type="datetimeFigureOut">
               <a:rPr lang="zh-CN" altLang="en-US" smtClean="0"/>
-              <a:t>2018/5/3</a:t>
+              <a:t>2018/5/4</a:t>
             </a:fld>
             <a:endParaRPr lang="zh-CN" altLang="en-US"/>
           </a:p>
@@ -6990,7 +6990,7 @@
           <a:p>
             <a:fld id="{5B448F67-3003-4522-BCEB-1C7BD072F28C}" type="datetimeFigureOut">
               <a:rPr lang="zh-CN" altLang="en-US" smtClean="0"/>
-              <a:t>2018/5/3</a:t>
+              <a:t>2018/5/4</a:t>
             </a:fld>
             <a:endParaRPr lang="zh-CN" altLang="en-US"/>
           </a:p>
@@ -7103,7 +7103,7 @@
           <a:p>
             <a:fld id="{5B448F67-3003-4522-BCEB-1C7BD072F28C}" type="datetimeFigureOut">
               <a:rPr lang="zh-CN" altLang="en-US" smtClean="0"/>
-              <a:t>2018/5/3</a:t>
+              <a:t>2018/5/4</a:t>
             </a:fld>
             <a:endParaRPr lang="zh-CN" altLang="en-US"/>
           </a:p>
@@ -8814,7 +8814,7 @@
           <a:p>
             <a:fld id="{5B448F67-3003-4522-BCEB-1C7BD072F28C}" type="datetimeFigureOut">
               <a:rPr lang="zh-CN" altLang="en-US" smtClean="0"/>
-              <a:t>2018/5/3</a:t>
+              <a:t>2018/5/4</a:t>
             </a:fld>
             <a:endParaRPr lang="zh-CN" altLang="en-US"/>
           </a:p>
@@ -8965,7 +8965,7 @@
           <a:p>
             <a:fld id="{5B448F67-3003-4522-BCEB-1C7BD072F28C}" type="datetimeFigureOut">
               <a:rPr lang="zh-CN" altLang="en-US" smtClean="0"/>
-              <a:t>2018/5/3</a:t>
+              <a:t>2018/5/4</a:t>
             </a:fld>
             <a:endParaRPr lang="zh-CN" altLang="en-US"/>
           </a:p>
@@ -12580,7 +12580,7 @@
           <a:p>
             <a:fld id="{5B448F67-3003-4522-BCEB-1C7BD072F28C}" type="datetimeFigureOut">
               <a:rPr lang="zh-CN" altLang="en-US" smtClean="0"/>
-              <a:t>2018/5/3</a:t>
+              <a:t>2018/5/4</a:t>
             </a:fld>
             <a:endParaRPr lang="zh-CN" altLang="en-US"/>
           </a:p>
@@ -14439,7 +14439,7 @@
           <a:p>
             <a:fld id="{5B448F67-3003-4522-BCEB-1C7BD072F28C}" type="datetimeFigureOut">
               <a:rPr lang="zh-CN" altLang="en-US" smtClean="0"/>
-              <a:t>2018/5/3</a:t>
+              <a:t>2018/5/4</a:t>
             </a:fld>
             <a:endParaRPr lang="zh-CN" altLang="en-US"/>
           </a:p>
@@ -17795,9 +17795,12 @@
           </a:bodyPr>
           <a:lstStyle/>
           <a:p>
-            <a:pPr algn="l"/>
-            <a:r>
-              <a:rPr lang="zh-CN" altLang="en-US" sz="2400" b="1" dirty="0">
+            <a:pPr algn="l">
+              <a:buFont typeface="+mj-lt"/>
+              <a:buAutoNum type="arabicPeriod"/>
+            </a:pPr>
+            <a:r>
+              <a:rPr lang="zh-CN" altLang="en-US" sz="2400" b="1" dirty="0" smtClean="0">
                 <a:solidFill>
                   <a:srgbClr val="404040"/>
                 </a:solidFill>
@@ -17807,7 +17810,7 @@
               <a:t>问题</a:t>
             </a:r>
             <a:br>
-              <a:rPr lang="zh-CN" altLang="en-US" sz="2400" b="1" dirty="0">
+              <a:rPr lang="zh-CN" altLang="en-US" sz="2400" b="1" dirty="0" smtClean="0">
                 <a:solidFill>
                   <a:srgbClr val="404040"/>
                 </a:solidFill>
@@ -17816,7 +17819,7 @@
               </a:rPr>
             </a:br>
             <a:r>
-              <a:rPr lang="zh-CN" altLang="en-US" sz="2400" dirty="0">
+              <a:rPr lang="zh-CN" altLang="en-US" sz="2400" dirty="0" smtClean="0">
                 <a:solidFill>
                   <a:srgbClr val="404040"/>
                 </a:solidFill>
@@ -17826,7 +17829,7 @@
               <a:t>现在有一个包含 </a:t>
             </a:r>
             <a:r>
-              <a:rPr lang="en-US" altLang="zh-CN" sz="2400" dirty="0">
+              <a:rPr lang="en-US" altLang="zh-CN" sz="2400" dirty="0" smtClean="0">
                 <a:solidFill>
                   <a:srgbClr val="404040"/>
                 </a:solidFill>
@@ -17836,7 +17839,7 @@
               <a:t>N </a:t>
             </a:r>
             <a:r>
-              <a:rPr lang="zh-CN" altLang="en-US" sz="2400" dirty="0">
+              <a:rPr lang="zh-CN" altLang="en-US" sz="2400" dirty="0" smtClean="0">
                 <a:solidFill>
                   <a:srgbClr val="404040"/>
                 </a:solidFill>
@@ -17846,7 +17849,7 @@
               <a:t>个元素的元组或者是序列，怎样将它里面的值解压后同时赋值给 </a:t>
             </a:r>
             <a:r>
-              <a:rPr lang="en-US" altLang="zh-CN" sz="2400" dirty="0">
+              <a:rPr lang="en-US" altLang="zh-CN" sz="2400" dirty="0" smtClean="0">
                 <a:solidFill>
                   <a:srgbClr val="404040"/>
                 </a:solidFill>
@@ -17856,26 +17859,26 @@
               <a:t>N </a:t>
             </a:r>
             <a:r>
-              <a:rPr lang="zh-CN" altLang="en-US" sz="2400" dirty="0">
+              <a:rPr lang="zh-CN" altLang="en-US" sz="2400" dirty="0" smtClean="0">
                 <a:solidFill>
                   <a:srgbClr val="404040"/>
                 </a:solidFill>
                 <a:latin typeface="+mn-ea"/>
                 <a:ea typeface="+mn-ea"/>
               </a:rPr>
-              <a:t>个变量</a:t>
-            </a:r>
-            <a:r>
-              <a:rPr lang="zh-CN" altLang="en-US" sz="2400" dirty="0" smtClean="0">
+              <a:t>个变量？</a:t>
+            </a:r>
+            <a:r>
+              <a:rPr lang="en-US" altLang="zh-CN" sz="2400" dirty="0" smtClean="0">
                 <a:solidFill>
                   <a:srgbClr val="404040"/>
                 </a:solidFill>
                 <a:latin typeface="+mn-ea"/>
                 <a:ea typeface="+mn-ea"/>
               </a:rPr>
-              <a:t>？</a:t>
-            </a:r>
-            <a:r>
+              <a:t/>
+            </a:r>
+            <a:br>
               <a:rPr lang="en-US" altLang="zh-CN" sz="2400" dirty="0" smtClean="0">
                 <a:solidFill>
                   <a:srgbClr val="404040"/>
@@ -17883,6 +17886,63 @@
                 <a:latin typeface="+mn-ea"/>
                 <a:ea typeface="+mn-ea"/>
               </a:rPr>
+            </a:br>
+            <a:r>
+              <a:rPr lang="zh-CN" altLang="en-US" sz="2400" dirty="0" smtClean="0">
+                <a:solidFill>
+                  <a:srgbClr val="404040"/>
+                </a:solidFill>
+                <a:latin typeface="+mn-ea"/>
+                <a:ea typeface="+mn-ea"/>
+              </a:rPr>
+              <a:t/>
+            </a:r>
+            <a:br>
+              <a:rPr lang="zh-CN" altLang="en-US" sz="2400" dirty="0" smtClean="0">
+                <a:solidFill>
+                  <a:srgbClr val="404040"/>
+                </a:solidFill>
+                <a:latin typeface="+mn-ea"/>
+                <a:ea typeface="+mn-ea"/>
+              </a:rPr>
+            </a:br>
+            <a:r>
+              <a:rPr lang="zh-CN" altLang="en-US" sz="2400" b="1" dirty="0" smtClean="0">
+                <a:solidFill>
+                  <a:srgbClr val="404040"/>
+                </a:solidFill>
+                <a:latin typeface="+mn-ea"/>
+                <a:ea typeface="+mn-ea"/>
+              </a:rPr>
+              <a:t>解决方案</a:t>
+            </a:r>
+            <a:br>
+              <a:rPr lang="zh-CN" altLang="en-US" sz="2400" b="1" dirty="0" smtClean="0">
+                <a:solidFill>
+                  <a:srgbClr val="404040"/>
+                </a:solidFill>
+                <a:latin typeface="+mn-ea"/>
+                <a:ea typeface="+mn-ea"/>
+              </a:rPr>
+            </a:br>
+            <a:r>
+              <a:rPr lang="zh-CN" altLang="en-US" sz="2400" dirty="0" smtClean="0">
+                <a:solidFill>
+                  <a:srgbClr val="404040"/>
+                </a:solidFill>
+                <a:latin typeface="+mn-ea"/>
+                <a:ea typeface="+mn-ea"/>
+              </a:rPr>
+              <a:t>任何的序列（或者是可迭代对象）可以通过一个简单的赋值语句解压并赋值给多个变量。 唯一的前提就是变量的数量必须跟序列元素的数量是一样的。</a:t>
+            </a:r>
+            <a:r>
+              <a:rPr lang="en-US" altLang="zh-CN" sz="2400" dirty="0" smtClean="0">
+                <a:solidFill>
+                  <a:srgbClr val="404040"/>
+                </a:solidFill>
+                <a:latin typeface="+mn-ea"/>
+                <a:ea typeface="+mn-ea"/>
+              </a:rPr>
               <a:t/>
             </a:r>
             <a:br>
@@ -17895,7 +17955,7 @@
               </a:rPr>
             </a:br>
             <a:r>
-              <a:rPr lang="zh-CN" altLang="en-US" sz="2400" dirty="0">
+              <a:rPr lang="en-US" altLang="zh-CN" sz="2400" dirty="0" smtClean="0">
                 <a:solidFill>
                   <a:srgbClr val="404040"/>
                 </a:solidFill>
@@ -17905,7 +17965,7 @@
               <a:t/>
             </a:r>
             <a:br>
-              <a:rPr lang="zh-CN" altLang="en-US" sz="2400" dirty="0">
+              <a:rPr lang="en-US" altLang="zh-CN" sz="2400" dirty="0" smtClean="0">
                 <a:solidFill>
                   <a:srgbClr val="404040"/>
                 </a:solidFill>
@@ -17913,45 +17973,6 @@
                 <a:ea typeface="+mn-ea"/>
               </a:rPr>
             </a:br>
-            <a:r>
-              <a:rPr lang="zh-CN" altLang="en-US" sz="2400" b="1" dirty="0">
-                <a:solidFill>
-                  <a:srgbClr val="404040"/>
-                </a:solidFill>
-                <a:latin typeface="+mn-ea"/>
-                <a:ea typeface="+mn-ea"/>
-              </a:rPr>
-              <a:t>解决方案</a:t>
-            </a:r>
-            <a:br>
-              <a:rPr lang="zh-CN" altLang="en-US" sz="2400" b="1" dirty="0">
-                <a:solidFill>
-                  <a:srgbClr val="404040"/>
-                </a:solidFill>
-                <a:latin typeface="+mn-ea"/>
-                <a:ea typeface="+mn-ea"/>
-              </a:rPr>
-            </a:br>
-            <a:r>
-              <a:rPr lang="zh-CN" altLang="en-US" sz="2400" dirty="0">
-                <a:solidFill>
-                  <a:srgbClr val="404040"/>
-                </a:solidFill>
-                <a:latin typeface="+mn-ea"/>
-                <a:ea typeface="+mn-ea"/>
-              </a:rPr>
-              <a:t>任何的序列（或者是可迭代对象）可以通过一个简单的赋值语句解压并赋值给多个变量。 唯一的前提就是变量的数量必须跟序列元素的数量是一样的</a:t>
-            </a:r>
-            <a:r>
-              <a:rPr lang="zh-CN" altLang="en-US" sz="2400" dirty="0" smtClean="0">
-                <a:solidFill>
-                  <a:srgbClr val="404040"/>
-                </a:solidFill>
-                <a:latin typeface="+mn-ea"/>
-                <a:ea typeface="+mn-ea"/>
-              </a:rPr>
-              <a:t>。</a:t>
-            </a:r>
             <a:endParaRPr lang="zh-CN" altLang="en-US" sz="2400" dirty="0">
               <a:latin typeface="+mn-ea"/>
               <a:ea typeface="+mn-ea"/>
@@ -17974,16 +17995,51 @@
           <a:bodyPr/>
           <a:lstStyle/>
           <a:p>
+            <a:pPr algn="l"/>
             <a:r>
               <a:rPr lang="zh-CN" altLang="en-US" dirty="0" smtClean="0"/>
               <a:t>解压序列赋值给多个变量</a:t>
             </a:r>
           </a:p>
           <a:p>
+            <a:pPr algn="l"/>
             <a:endParaRPr lang="zh-CN" altLang="en-US" dirty="0"/>
           </a:p>
         </p:txBody>
       </p:sp>
+      <p:pic>
+        <p:nvPicPr>
+          <p:cNvPr id="5" name="1.1.gif">
+            <a:hlinkClick r:id="" action="ppaction://media"/>
+          </p:cNvPr>
+          <p:cNvPicPr>
+            <a:picLocks noChangeAspect="1"/>
+          </p:cNvPicPr>
+          <p:nvPr>
+            <a:videoFile r:link="rId2"/>
+            <p:extLst>
+              <p:ext uri="{DAA4B4D4-6D71-4841-9C94-3DE7FCFB9230}">
+                <p14:media xmlns:p14="http://schemas.microsoft.com/office/powerpoint/2010/main" r:embed="rId1"/>
+              </p:ext>
+            </p:extLst>
+          </p:nvPr>
+        </p:nvPicPr>
+        <p:blipFill>
+          <a:blip r:embed="rId4"/>
+          <a:stretch>
+            <a:fillRect/>
+          </a:stretch>
+        </p:blipFill>
+        <p:spPr>
+          <a:xfrm>
+            <a:off x="5300258" y="5043198"/>
+            <a:ext cx="2830669" cy="1635756"/>
+          </a:xfrm>
+          <a:prstGeom prst="rect">
+            <a:avLst/>
+          </a:prstGeom>
+        </p:spPr>
+      </p:pic>
     </p:spTree>
     <p:extLst>
       <p:ext uri="{BB962C8B-B14F-4D97-AF65-F5344CB8AC3E}">
@@ -17997,7 +18053,80 @@
   <p:timing>
     <p:tnLst>
       <p:par>
-        <p:cTn id="1" dur="indefinite" restart="never" nodeType="tmRoot"/>
+        <p:cTn id="1" dur="indefinite" restart="never" nodeType="tmRoot">
+          <p:childTnLst>
+            <p:seq concurrent="1" nextAc="seek">
+              <p:cTn id="2" restart="whenNotActive" fill="hold" evtFilter="cancelBubble" nodeType="interactiveSeq">
+                <p:stCondLst>
+                  <p:cond evt="onClick" delay="0">
+                    <p:tgtEl>
+                      <p:spTgt spid="5"/>
+                    </p:tgtEl>
+                  </p:cond>
+                </p:stCondLst>
+                <p:endSync evt="end" delay="0">
+                  <p:rtn val="all"/>
+                </p:endSync>
+                <p:childTnLst>
+                  <p:par>
+                    <p:cTn id="3" fill="hold">
+                      <p:stCondLst>
+                        <p:cond delay="0"/>
+                      </p:stCondLst>
+                      <p:childTnLst>
+                        <p:par>
+                          <p:cTn id="4" fill="hold">
+                            <p:stCondLst>
+                              <p:cond delay="0"/>
+                            </p:stCondLst>
+                            <p:childTnLst>
+                              <p:par>
+                                <p:cTn id="5" presetID="2" presetClass="mediacall" presetSubtype="0" fill="hold" nodeType="clickEffect">
+                                  <p:stCondLst>
+                                    <p:cond delay="0"/>
+                                  </p:stCondLst>
+                                  <p:childTnLst>
+                                    <p:cmd type="call" cmd="togglePause">
+                                      <p:cBhvr>
+                                        <p:cTn id="6" dur="1" fill="hold"/>
+                                        <p:tgtEl>
+                                          <p:spTgt spid="5"/>
+                                        </p:tgtEl>
+                                      </p:cBhvr>
+                                    </p:cmd>
+                                  </p:childTnLst>
+                                </p:cTn>
+                              </p:par>
+                            </p:childTnLst>
+                          </p:cTn>
+                        </p:par>
+                      </p:childTnLst>
+                    </p:cTn>
+                  </p:par>
+                </p:childTnLst>
+              </p:cTn>
+              <p:nextCondLst>
+                <p:cond evt="onClick" delay="0">
+                  <p:tgtEl>
+                    <p:spTgt spid="5"/>
+                  </p:tgtEl>
+                </p:cond>
+              </p:nextCondLst>
+            </p:seq>
+            <p:video>
+              <p:cMediaNode vol="80000">
+                <p:cTn id="7" fill="hold" display="0">
+                  <p:stCondLst>
+                    <p:cond delay="indefinite"/>
+                  </p:stCondLst>
+                </p:cTn>
+                <p:tgtEl>
+                  <p:spTgt spid="5"/>
+                </p:tgtEl>
+              </p:cMediaNode>
+            </p:video>
+          </p:childTnLst>
+        </p:cTn>
       </p:par>
     </p:tnLst>
   </p:timing>
@@ -18599,13 +18728,13 @@
         </p:nvSpPr>
         <p:spPr>
           <a:xfrm>
-            <a:off x="690032" y="2463560"/>
-            <a:ext cx="8346464" cy="4205800"/>
+            <a:off x="611560" y="2132856"/>
+            <a:ext cx="7488832" cy="2376264"/>
           </a:xfrm>
         </p:spPr>
         <p:txBody>
           <a:bodyPr>
-            <a:normAutofit/>
+            <a:normAutofit fontScale="90000"/>
           </a:bodyPr>
           <a:lstStyle/>
           <a:p>
@@ -18690,56 +18819,48 @@
               </a:rPr>
             </a:br>
             <a:r>
+              <a:rPr lang="zh-CN" altLang="en-US" sz="2400" b="1" dirty="0" smtClean="0">
+                <a:solidFill>
+                  <a:srgbClr val="404040"/>
+                </a:solidFill>
+                <a:latin typeface="Roboto Slab"/>
+              </a:rPr>
+              <a:t>解决方案</a:t>
+            </a:r>
+            <a:r>
+              <a:rPr lang="en-US" altLang="zh-CN" sz="2400" b="1" dirty="0" smtClean="0">
+                <a:solidFill>
+                  <a:srgbClr val="404040"/>
+                </a:solidFill>
+                <a:latin typeface="Roboto Slab"/>
+              </a:rPr>
+              <a:t/>
+            </a:r>
+            <a:br>
+              <a:rPr lang="en-US" altLang="zh-CN" sz="2400" b="1" dirty="0" smtClean="0">
+                <a:solidFill>
+                  <a:srgbClr val="404040"/>
+                </a:solidFill>
+                <a:latin typeface="Roboto Slab"/>
+              </a:rPr>
+            </a:br>
+            <a:r>
+              <a:rPr lang="en-US" altLang="zh-CN" sz="2400" b="1" dirty="0" smtClean="0">
+                <a:solidFill>
+                  <a:srgbClr val="404040"/>
+                </a:solidFill>
+                <a:latin typeface="Roboto Slab"/>
+              </a:rPr>
+              <a:t>py</a:t>
+            </a:r>
+            <a:r>
               <a:rPr lang="en-US" altLang="zh-CN" sz="2400" dirty="0" smtClean="0">
                 <a:solidFill>
                   <a:srgbClr val="404040"/>
                 </a:solidFill>
                 <a:latin typeface="Lato"/>
               </a:rPr>
-              <a:t/>
-            </a:r>
-            <a:br>
-              <a:rPr lang="en-US" altLang="zh-CN" sz="2400" dirty="0" smtClean="0">
-                <a:solidFill>
-                  <a:srgbClr val="404040"/>
-                </a:solidFill>
-                <a:latin typeface="Lato"/>
-              </a:rPr>
-            </a:br>
-            <a:r>
-              <a:rPr lang="zh-CN" altLang="en-US" sz="2400" b="1" dirty="0" smtClean="0">
-                <a:solidFill>
-                  <a:srgbClr val="404040"/>
-                </a:solidFill>
-                <a:latin typeface="Roboto Slab"/>
-              </a:rPr>
-              <a:t>解决</a:t>
-            </a:r>
-            <a:r>
-              <a:rPr lang="zh-CN" altLang="en-US" sz="2400" b="1" dirty="0">
-                <a:solidFill>
-                  <a:srgbClr val="404040"/>
-                </a:solidFill>
-                <a:latin typeface="Roboto Slab"/>
-              </a:rPr>
-              <a:t>方案</a:t>
-            </a:r>
-            <a:br>
-              <a:rPr lang="zh-CN" altLang="en-US" sz="2400" b="1" dirty="0">
-                <a:solidFill>
-                  <a:srgbClr val="404040"/>
-                </a:solidFill>
-                <a:latin typeface="Roboto Slab"/>
-              </a:rPr>
-            </a:br>
-            <a:r>
-              <a:rPr lang="en-US" altLang="zh-CN" sz="2400" dirty="0">
-                <a:solidFill>
-                  <a:srgbClr val="404040"/>
-                </a:solidFill>
-                <a:latin typeface="Lato"/>
-              </a:rPr>
-              <a:t>Python </a:t>
+              <a:t>thon </a:t>
             </a:r>
             <a:r>
               <a:rPr lang="zh-CN" altLang="en-US" sz="2400" dirty="0">
@@ -18790,6 +18911,39 @@
           </a:p>
         </p:txBody>
       </p:sp>
+      <p:pic>
+        <p:nvPicPr>
+          <p:cNvPr id="4" name="1.2.gif">
+            <a:hlinkClick r:id="" action="ppaction://media"/>
+          </p:cNvPr>
+          <p:cNvPicPr>
+            <a:picLocks noChangeAspect="1"/>
+          </p:cNvPicPr>
+          <p:nvPr>
+            <a:videoFile r:link="rId2"/>
+            <p:extLst>
+              <p:ext uri="{DAA4B4D4-6D71-4841-9C94-3DE7FCFB9230}">
+                <p14:media xmlns:p14="http://schemas.microsoft.com/office/powerpoint/2010/main" r:embed="rId1"/>
+              </p:ext>
+            </p:extLst>
+          </p:nvPr>
+        </p:nvPicPr>
+        <p:blipFill>
+          <a:blip r:embed="rId4"/>
+          <a:stretch>
+            <a:fillRect/>
+          </a:stretch>
+        </p:blipFill>
+        <p:spPr>
+          <a:xfrm>
+            <a:off x="4067944" y="4210909"/>
+            <a:ext cx="4608512" cy="2663116"/>
+          </a:xfrm>
+          <a:prstGeom prst="rect">
+            <a:avLst/>
+          </a:prstGeom>
+        </p:spPr>
+      </p:pic>
     </p:spTree>
     <p:extLst>
       <p:ext uri="{BB962C8B-B14F-4D97-AF65-F5344CB8AC3E}">
@@ -18803,7 +18957,80 @@
   <p:timing>
     <p:tnLst>
       <p:par>
-        <p:cTn id="1" dur="indefinite" restart="never" nodeType="tmRoot"/>
+        <p:cTn id="1" dur="indefinite" restart="never" nodeType="tmRoot">
+          <p:childTnLst>
+            <p:seq concurrent="1" nextAc="seek">
+              <p:cTn id="2" restart="whenNotActive" fill="hold" evtFilter="cancelBubble" nodeType="interactiveSeq">
+                <p:stCondLst>
+                  <p:cond evt="onClick" delay="0">
+                    <p:tgtEl>
+                      <p:spTgt spid="4"/>
+                    </p:tgtEl>
+                  </p:cond>
+                </p:stCondLst>
+                <p:endSync evt="end" delay="0">
+                  <p:rtn val="all"/>
+                </p:endSync>
+                <p:childTnLst>
+                  <p:par>
+                    <p:cTn id="3" fill="hold">
+                      <p:stCondLst>
+                        <p:cond delay="0"/>
+                      </p:stCondLst>
+                      <p:childTnLst>
+                        <p:par>
+                          <p:cTn id="4" fill="hold">
+                            <p:stCondLst>
+                              <p:cond delay="0"/>
+                            </p:stCondLst>
+                            <p:childTnLst>
+                              <p:par>
+                                <p:cTn id="5" presetID="2" presetClass="mediacall" presetSubtype="0" fill="hold" nodeType="clickEffect">
+                                  <p:stCondLst>
+                                    <p:cond delay="0"/>
+                                  </p:stCondLst>
+                                  <p:childTnLst>
+                                    <p:cmd type="call" cmd="togglePause">
+                                      <p:cBhvr>
+                                        <p:cTn id="6" dur="1" fill="hold"/>
+                                        <p:tgtEl>
+                                          <p:spTgt spid="4"/>
+                                        </p:tgtEl>
+                                      </p:cBhvr>
+                                    </p:cmd>
+                                  </p:childTnLst>
+                                </p:cTn>
+                              </p:par>
+                            </p:childTnLst>
+                          </p:cTn>
+                        </p:par>
+                      </p:childTnLst>
+                    </p:cTn>
+                  </p:par>
+                </p:childTnLst>
+              </p:cTn>
+              <p:nextCondLst>
+                <p:cond evt="onClick" delay="0">
+                  <p:tgtEl>
+                    <p:spTgt spid="4"/>
+                  </p:tgtEl>
+                </p:cond>
+              </p:nextCondLst>
+            </p:seq>
+            <p:video>
+              <p:cMediaNode vol="80000">
+                <p:cTn id="7" fill="hold" display="0">
+                  <p:stCondLst>
+                    <p:cond delay="indefinite"/>
+                  </p:stCondLst>
+                </p:cTn>
+                <p:tgtEl>
+                  <p:spTgt spid="4"/>
+                </p:tgtEl>
+              </p:cMediaNode>
+            </p:video>
+          </p:childTnLst>
+        </p:cTn>
       </p:par>
     </p:tnLst>
   </p:timing>
@@ -21042,7 +21269,7 @@
   <a:extraClrSchemeLst/>
   <a:extLst>
     <a:ext uri="{05A4C25C-085E-4340-85A3-A5531E510DB2}">
-      <thm15:themeFamily xmlns:thm15="http://schemas.microsoft.com/office/thememl/2012/main" name="Office Theme" id="{62F939B6-93AF-4DB8-9C6B-D6C7DFDC589F}" vid="{4A3C46E8-61CC-4603-A589-7422A47A8E4A}"/>
+      <thm15:themeFamily xmlns:thm15="http://schemas.microsoft.com/office/thememl/2012/main" xmlns="" name="Office Theme" id="{62F939B6-93AF-4DB8-9C6B-D6C7DFDC589F}" vid="{4A3C46E8-61CC-4603-A589-7422A47A8E4A}"/>
     </a:ext>
   </a:extLst>
 </a:theme>
